--- a/k8s_intro_imbus_muc.pptx
+++ b/k8s_intro_imbus_muc.pptx
@@ -5,10 +5,10 @@
     <p:sldMasterId id="2147483648" r:id="rId1"/>
   </p:sldMasterIdLst>
   <p:notesMasterIdLst>
-    <p:notesMasterId r:id="rId18"/>
+    <p:notesMasterId r:id="rId20"/>
   </p:notesMasterIdLst>
   <p:handoutMasterIdLst>
-    <p:handoutMasterId r:id="rId19"/>
+    <p:handoutMasterId r:id="rId21"/>
   </p:handoutMasterIdLst>
   <p:sldIdLst>
     <p:sldId id="353" r:id="rId2"/>
@@ -21,12 +21,14 @@
     <p:sldId id="346" r:id="rId9"/>
     <p:sldId id="352" r:id="rId10"/>
     <p:sldId id="361" r:id="rId11"/>
-    <p:sldId id="350" r:id="rId12"/>
-    <p:sldId id="348" r:id="rId13"/>
-    <p:sldId id="356" r:id="rId14"/>
-    <p:sldId id="357" r:id="rId15"/>
-    <p:sldId id="360" r:id="rId16"/>
-    <p:sldId id="344" r:id="rId17"/>
+    <p:sldId id="362" r:id="rId12"/>
+    <p:sldId id="363" r:id="rId13"/>
+    <p:sldId id="350" r:id="rId14"/>
+    <p:sldId id="348" r:id="rId15"/>
+    <p:sldId id="356" r:id="rId16"/>
+    <p:sldId id="357" r:id="rId17"/>
+    <p:sldId id="360" r:id="rId18"/>
+    <p:sldId id="344" r:id="rId19"/>
   </p:sldIdLst>
   <p:sldSz cx="9144000" cy="5143500" type="screen16x9"/>
   <p:notesSz cx="6858000" cy="9144000"/>
@@ -275,7 +277,7 @@
           <a:p>
             <a:fld id="{E01D39C9-DFD1-C748-A6F5-16B4CDD852A9}" type="datetimeFigureOut">
               <a:rPr lang="de-DE" smtClean="0"/>
-              <a:t>14.12.2020</a:t>
+              <a:t>09.03.2021</a:t>
             </a:fld>
             <a:endParaRPr lang="de-DE"/>
           </a:p>
@@ -441,7 +443,7 @@
           <a:p>
             <a:fld id="{15AA7D5E-109D-EA4E-805A-B8080251109D}" type="datetimeFigureOut">
               <a:rPr lang="de-DE" smtClean="0"/>
-              <a:t>14.12.2020</a:t>
+              <a:t>09.03.2021</a:t>
             </a:fld>
             <a:endParaRPr lang="de-DE"/>
           </a:p>
@@ -5385,11 +5387,11 @@
             </a:r>
             <a:r>
               <a:rPr lang="de-DE" sz="1100" dirty="0"/>
-              <a:t>: </a:t>
+              <a:t>: kubectl </a:t>
             </a:r>
             <a:r>
               <a:rPr lang="de-DE" sz="1100" dirty="0" err="1"/>
-              <a:t>kubectl</a:t>
+              <a:t>get</a:t>
             </a:r>
             <a:r>
               <a:rPr lang="de-DE" sz="1100" dirty="0"/>
@@ -5397,6 +5399,39 @@
             </a:r>
             <a:r>
               <a:rPr lang="de-DE" sz="1100" dirty="0" err="1"/>
+              <a:t>svc</a:t>
+            </a:r>
+            <a:r>
+              <a:rPr lang="de-DE" sz="1100" dirty="0"/>
+              <a:t> --namespace </a:t>
+            </a:r>
+            <a:r>
+              <a:rPr lang="de-DE" sz="1100" dirty="0" err="1"/>
+              <a:t>default</a:t>
+            </a:r>
+            <a:r>
+              <a:rPr lang="de-DE" sz="1100" dirty="0"/>
+              <a:t> -w testlink-1607499802 **</a:t>
+            </a:r>
+          </a:p>
+          <a:p>
+            <a:endParaRPr lang="de-DE" sz="1100" dirty="0"/>
+          </a:p>
+          <a:p>
+            <a:r>
+              <a:rPr lang="de-DE" sz="1100" dirty="0"/>
+              <a:t>  </a:t>
+            </a:r>
+            <a:r>
+              <a:rPr lang="de-DE" sz="1100" dirty="0" err="1"/>
+              <a:t>export</a:t>
+            </a:r>
+            <a:r>
+              <a:rPr lang="de-DE" sz="1100" dirty="0"/>
+              <a:t> SERVICE_IP=$(kubectl </a:t>
+            </a:r>
+            <a:r>
+              <a:rPr lang="de-DE" sz="1100" dirty="0" err="1"/>
               <a:t>get</a:t>
             </a:r>
             <a:r>
@@ -5417,7 +5452,51 @@
             </a:r>
             <a:r>
               <a:rPr lang="de-DE" sz="1100" dirty="0"/>
-              <a:t> -w testlink-1607499802 **</a:t>
+              <a:t> testlink-1607499802 --template "{{ </a:t>
+            </a:r>
+            <a:r>
+              <a:rPr lang="de-DE" sz="1100" dirty="0" err="1"/>
+              <a:t>range</a:t>
+            </a:r>
+            <a:r>
+              <a:rPr lang="de-DE" sz="1100" dirty="0"/>
+              <a:t> (</a:t>
+            </a:r>
+            <a:r>
+              <a:rPr lang="de-DE" sz="1100" dirty="0" err="1"/>
+              <a:t>index</a:t>
+            </a:r>
+            <a:r>
+              <a:rPr lang="de-DE" sz="1100" dirty="0"/>
+              <a:t> .</a:t>
+            </a:r>
+            <a:r>
+              <a:rPr lang="de-DE" sz="1100" dirty="0" err="1"/>
+              <a:t>status.loadBalancer.ingress</a:t>
+            </a:r>
+            <a:r>
+              <a:rPr lang="de-DE" sz="1100" dirty="0"/>
+              <a:t> 0) }}{{.}}</a:t>
+            </a:r>
+          </a:p>
+          <a:p>
+            <a:r>
+              <a:rPr lang="de-DE" sz="1100" dirty="0"/>
+              <a:t>{{ end }}")</a:t>
+            </a:r>
+          </a:p>
+          <a:p>
+            <a:r>
+              <a:rPr lang="de-DE" sz="1100" dirty="0"/>
+              <a:t>  echo "</a:t>
+            </a:r>
+            <a:r>
+              <a:rPr lang="de-DE" sz="1100" dirty="0" err="1"/>
+              <a:t>TestLink</a:t>
+            </a:r>
+            <a:r>
+              <a:rPr lang="de-DE" sz="1100" dirty="0"/>
+              <a:t> URL: http://$SERVICE_IP/"</a:t>
             </a:r>
           </a:p>
           <a:p>
@@ -5426,19 +5505,11 @@
           <a:p>
             <a:r>
               <a:rPr lang="de-DE" sz="1100" dirty="0"/>
-              <a:t>  </a:t>
+              <a:t>2. Login </a:t>
             </a:r>
             <a:r>
               <a:rPr lang="de-DE" sz="1100" dirty="0" err="1"/>
-              <a:t>export</a:t>
-            </a:r>
-            <a:r>
-              <a:rPr lang="de-DE" sz="1100" dirty="0"/>
-              <a:t> SERVICE_IP=$(</a:t>
-            </a:r>
-            <a:r>
-              <a:rPr lang="de-DE" sz="1100" dirty="0" err="1"/>
-              <a:t>kubectl</a:t>
+              <a:t>with</a:t>
             </a:r>
             <a:r>
               <a:rPr lang="de-DE" sz="1100" dirty="0"/>
@@ -5446,7 +5517,7 @@
             </a:r>
             <a:r>
               <a:rPr lang="de-DE" sz="1100" dirty="0" err="1"/>
-              <a:t>get</a:t>
+              <a:t>the</a:t>
             </a:r>
             <a:r>
               <a:rPr lang="de-DE" sz="1100" dirty="0"/>
@@ -5454,76 +5525,7 @@
             </a:r>
             <a:r>
               <a:rPr lang="de-DE" sz="1100" dirty="0" err="1"/>
-              <a:t>svc</a:t>
-            </a:r>
-            <a:r>
-              <a:rPr lang="de-DE" sz="1100" dirty="0"/>
-              <a:t> --namespace </a:t>
-            </a:r>
-            <a:r>
-              <a:rPr lang="de-DE" sz="1100" dirty="0" err="1"/>
-              <a:t>default</a:t>
-            </a:r>
-            <a:r>
-              <a:rPr lang="de-DE" sz="1100" dirty="0"/>
-              <a:t> testlink-1607499802 --template "{{ </a:t>
-            </a:r>
-            <a:r>
-              <a:rPr lang="de-DE" sz="1100" dirty="0" err="1"/>
-              <a:t>range</a:t>
-            </a:r>
-            <a:r>
-              <a:rPr lang="de-DE" sz="1100" dirty="0"/>
-              <a:t> (</a:t>
-            </a:r>
-            <a:r>
-              <a:rPr lang="de-DE" sz="1100" dirty="0" err="1"/>
-              <a:t>index</a:t>
-            </a:r>
-            <a:r>
-              <a:rPr lang="de-DE" sz="1100" dirty="0"/>
-              <a:t> .</a:t>
-            </a:r>
-            <a:r>
-              <a:rPr lang="de-DE" sz="1100" dirty="0" err="1"/>
-              <a:t>status.loadBalancer.ingress</a:t>
-            </a:r>
-            <a:r>
-              <a:rPr lang="de-DE" sz="1100" dirty="0"/>
-              <a:t> 0) }}{{.}}</a:t>
-            </a:r>
-          </a:p>
-          <a:p>
-            <a:r>
-              <a:rPr lang="de-DE" sz="1100" dirty="0"/>
-              <a:t>{{ end }}")</a:t>
-            </a:r>
-          </a:p>
-          <a:p>
-            <a:r>
-              <a:rPr lang="de-DE" sz="1100" dirty="0"/>
-              <a:t>  echo "</a:t>
-            </a:r>
-            <a:r>
-              <a:rPr lang="de-DE" sz="1100" dirty="0" err="1"/>
-              <a:t>TestLink</a:t>
-            </a:r>
-            <a:r>
-              <a:rPr lang="de-DE" sz="1100" dirty="0"/>
-              <a:t> URL: http://$SERVICE_IP/"</a:t>
-            </a:r>
-          </a:p>
-          <a:p>
-            <a:endParaRPr lang="de-DE" sz="1100" dirty="0"/>
-          </a:p>
-          <a:p>
-            <a:r>
-              <a:rPr lang="de-DE" sz="1100" dirty="0"/>
-              <a:t>2. Login </a:t>
-            </a:r>
-            <a:r>
-              <a:rPr lang="de-DE" sz="1100" dirty="0" err="1"/>
-              <a:t>with</a:t>
+              <a:t>following</a:t>
             </a:r>
             <a:r>
               <a:rPr lang="de-DE" sz="1100" dirty="0"/>
@@ -5531,22 +5533,6 @@
             </a:r>
             <a:r>
               <a:rPr lang="de-DE" sz="1100" dirty="0" err="1"/>
-              <a:t>the</a:t>
-            </a:r>
-            <a:r>
-              <a:rPr lang="de-DE" sz="1100" dirty="0"/>
-              <a:t> </a:t>
-            </a:r>
-            <a:r>
-              <a:rPr lang="de-DE" sz="1100" dirty="0" err="1"/>
-              <a:t>following</a:t>
-            </a:r>
-            <a:r>
-              <a:rPr lang="de-DE" sz="1100" dirty="0"/>
-              <a:t> </a:t>
-            </a:r>
-            <a:r>
-              <a:rPr lang="de-DE" sz="1100" dirty="0" err="1"/>
               <a:t>credentials</a:t>
             </a:r>
             <a:endParaRPr lang="de-DE" sz="1100" dirty="0"/>
@@ -5568,15 +5554,7 @@
           <a:p>
             <a:r>
               <a:rPr lang="de-DE" sz="1100" dirty="0"/>
-              <a:t>  echo Password: $(</a:t>
-            </a:r>
-            <a:r>
-              <a:rPr lang="de-DE" sz="1100" dirty="0" err="1"/>
-              <a:t>kubectl</a:t>
-            </a:r>
-            <a:r>
-              <a:rPr lang="de-DE" sz="1100" dirty="0"/>
-              <a:t> </a:t>
+              <a:t>  echo Password: $(kubectl </a:t>
             </a:r>
             <a:r>
               <a:rPr lang="de-DE" sz="1100" dirty="0" err="1"/>
@@ -5692,6 +5670,1156 @@
           <a:chExt cx="0" cy="0"/>
         </a:xfrm>
       </p:grpSpPr>
+      <p:sp>
+        <p:nvSpPr>
+          <p:cNvPr id="2" name="Datumsplatzhalter 1">
+            <a:extLst>
+              <a:ext uri="{FF2B5EF4-FFF2-40B4-BE49-F238E27FC236}">
+                <a16:creationId xmlns:a16="http://schemas.microsoft.com/office/drawing/2014/main" id="{E3F37232-AC96-4792-B5C8-521DD3E0377A}"/>
+              </a:ext>
+            </a:extLst>
+          </p:cNvPr>
+          <p:cNvSpPr>
+            <a:spLocks noGrp="1"/>
+          </p:cNvSpPr>
+          <p:nvPr>
+            <p:ph type="dt" sz="half" idx="10"/>
+          </p:nvPr>
+        </p:nvSpPr>
+        <p:spPr/>
+        <p:txBody>
+          <a:bodyPr/>
+          <a:lstStyle/>
+          <a:p>
+            <a:r>
+              <a:rPr lang="de-DE"/>
+              <a:t>© 2020 imbus AG</a:t>
+            </a:r>
+            <a:endParaRPr lang="de-DE" dirty="0"/>
+          </a:p>
+        </p:txBody>
+      </p:sp>
+      <p:sp>
+        <p:nvSpPr>
+          <p:cNvPr id="3" name="Titel 2">
+            <a:extLst>
+              <a:ext uri="{FF2B5EF4-FFF2-40B4-BE49-F238E27FC236}">
+                <a16:creationId xmlns:a16="http://schemas.microsoft.com/office/drawing/2014/main" id="{1A466ED9-73C2-45E7-ABD4-A6EE68866DD7}"/>
+              </a:ext>
+            </a:extLst>
+          </p:cNvPr>
+          <p:cNvSpPr>
+            <a:spLocks noGrp="1"/>
+          </p:cNvSpPr>
+          <p:nvPr>
+            <p:ph type="title"/>
+          </p:nvPr>
+        </p:nvSpPr>
+        <p:spPr/>
+        <p:txBody>
+          <a:bodyPr/>
+          <a:lstStyle/>
+          <a:p>
+            <a:r>
+              <a:rPr lang="de-DE" dirty="0">
+                <a:solidFill>
+                  <a:srgbClr val="3077E2"/>
+                </a:solidFill>
+              </a:rPr>
+              <a:t>Paketmanager Helm - Beispiel</a:t>
+            </a:r>
+          </a:p>
+        </p:txBody>
+      </p:sp>
+      <p:sp>
+        <p:nvSpPr>
+          <p:cNvPr id="6" name="Textfeld 5">
+            <a:extLst>
+              <a:ext uri="{FF2B5EF4-FFF2-40B4-BE49-F238E27FC236}">
+                <a16:creationId xmlns:a16="http://schemas.microsoft.com/office/drawing/2014/main" id="{E44461ED-F928-4D18-A5F5-2E24D57153F2}"/>
+              </a:ext>
+            </a:extLst>
+          </p:cNvPr>
+          <p:cNvSpPr txBox="1"/>
+          <p:nvPr/>
+        </p:nvSpPr>
+        <p:spPr>
+          <a:xfrm>
+            <a:off x="91440" y="905348"/>
+            <a:ext cx="8854440" cy="938719"/>
+          </a:xfrm>
+          <a:prstGeom prst="rect">
+            <a:avLst/>
+          </a:prstGeom>
+          <a:noFill/>
+        </p:spPr>
+        <p:txBody>
+          <a:bodyPr wrap="square">
+            <a:spAutoFit/>
+          </a:bodyPr>
+          <a:lstStyle/>
+          <a:p>
+            <a:r>
+              <a:rPr lang="de-DE" sz="1100" dirty="0">
+                <a:solidFill>
+                  <a:prstClr val="black"/>
+                </a:solidFill>
+                <a:latin typeface="Lucida Console" panose="020B0609040504020204" pitchFamily="49" charset="0"/>
+              </a:rPr>
+              <a:t>$ </a:t>
+            </a:r>
+            <a:r>
+              <a:rPr lang="de-DE" sz="1100" dirty="0" err="1">
+                <a:solidFill>
+                  <a:prstClr val="black"/>
+                </a:solidFill>
+                <a:latin typeface="Lucida Console" panose="020B0609040504020204" pitchFamily="49" charset="0"/>
+              </a:rPr>
+              <a:t>kc</a:t>
+            </a:r>
+            <a:r>
+              <a:rPr lang="de-DE" sz="1100" dirty="0">
+                <a:solidFill>
+                  <a:prstClr val="black"/>
+                </a:solidFill>
+                <a:latin typeface="Lucida Console" panose="020B0609040504020204" pitchFamily="49" charset="0"/>
+              </a:rPr>
+              <a:t> </a:t>
+            </a:r>
+            <a:r>
+              <a:rPr lang="de-DE" sz="1100" dirty="0" err="1">
+                <a:solidFill>
+                  <a:prstClr val="black"/>
+                </a:solidFill>
+                <a:latin typeface="Lucida Console" panose="020B0609040504020204" pitchFamily="49" charset="0"/>
+              </a:rPr>
+              <a:t>get</a:t>
+            </a:r>
+            <a:r>
+              <a:rPr lang="de-DE" sz="1100" dirty="0">
+                <a:solidFill>
+                  <a:prstClr val="black"/>
+                </a:solidFill>
+                <a:latin typeface="Lucida Console" panose="020B0609040504020204" pitchFamily="49" charset="0"/>
+              </a:rPr>
+              <a:t> </a:t>
+            </a:r>
+            <a:r>
+              <a:rPr lang="de-DE" sz="1100" dirty="0" err="1">
+                <a:solidFill>
+                  <a:prstClr val="black"/>
+                </a:solidFill>
+                <a:latin typeface="Lucida Console" panose="020B0609040504020204" pitchFamily="49" charset="0"/>
+              </a:rPr>
+              <a:t>service</a:t>
+            </a:r>
+            <a:endParaRPr lang="de-DE" sz="1100" dirty="0">
+              <a:solidFill>
+                <a:prstClr val="black"/>
+              </a:solidFill>
+              <a:latin typeface="Lucida Console" panose="020B0609040504020204" pitchFamily="49" charset="0"/>
+            </a:endParaRPr>
+          </a:p>
+          <a:p>
+            <a:r>
+              <a:rPr lang="en-US" sz="1100" dirty="0">
+                <a:solidFill>
+                  <a:prstClr val="black"/>
+                </a:solidFill>
+                <a:latin typeface="Lucida Console" panose="020B0609040504020204" pitchFamily="49" charset="0"/>
+              </a:rPr>
+              <a:t>NAME                 TYPE           CLUSTER-IP       EXTERNAL-IP   PORT(S)                      AGE</a:t>
+            </a:r>
+          </a:p>
+          <a:p>
+            <a:r>
+              <a:rPr lang="en-US" sz="1100" dirty="0" err="1">
+                <a:solidFill>
+                  <a:prstClr val="black"/>
+                </a:solidFill>
+                <a:latin typeface="Lucida Console" panose="020B0609040504020204" pitchFamily="49" charset="0"/>
+              </a:rPr>
+              <a:t>kubernetes</a:t>
+            </a:r>
+            <a:r>
+              <a:rPr lang="en-US" sz="1100" dirty="0">
+                <a:solidFill>
+                  <a:prstClr val="black"/>
+                </a:solidFill>
+                <a:latin typeface="Lucida Console" panose="020B0609040504020204" pitchFamily="49" charset="0"/>
+              </a:rPr>
+              <a:t>           </a:t>
+            </a:r>
+            <a:r>
+              <a:rPr lang="en-US" sz="1100" dirty="0" err="1">
+                <a:solidFill>
+                  <a:prstClr val="black"/>
+                </a:solidFill>
+                <a:latin typeface="Lucida Console" panose="020B0609040504020204" pitchFamily="49" charset="0"/>
+              </a:rPr>
+              <a:t>ClusterIP</a:t>
+            </a:r>
+            <a:r>
+              <a:rPr lang="en-US" sz="1100" dirty="0">
+                <a:solidFill>
+                  <a:prstClr val="black"/>
+                </a:solidFill>
+                <a:latin typeface="Lucida Console" panose="020B0609040504020204" pitchFamily="49" charset="0"/>
+              </a:rPr>
+              <a:t>      10.96.0.1        &lt;none&gt;        443/TCP                      92m</a:t>
+            </a:r>
+          </a:p>
+          <a:p>
+            <a:r>
+              <a:rPr lang="en-US" sz="1100" dirty="0" err="1">
+                <a:solidFill>
+                  <a:prstClr val="black"/>
+                </a:solidFill>
+                <a:highlight>
+                  <a:srgbClr val="FFFF00"/>
+                </a:highlight>
+                <a:latin typeface="Lucida Console" panose="020B0609040504020204" pitchFamily="49" charset="0"/>
+              </a:rPr>
+              <a:t>mytestlink</a:t>
+            </a:r>
+            <a:r>
+              <a:rPr lang="en-US" sz="1100" dirty="0">
+                <a:solidFill>
+                  <a:prstClr val="black"/>
+                </a:solidFill>
+                <a:latin typeface="Lucida Console" panose="020B0609040504020204" pitchFamily="49" charset="0"/>
+              </a:rPr>
+              <a:t>           </a:t>
+            </a:r>
+            <a:r>
+              <a:rPr lang="en-US" sz="1100" dirty="0" err="1">
+                <a:solidFill>
+                  <a:prstClr val="black"/>
+                </a:solidFill>
+                <a:latin typeface="Lucida Console" panose="020B0609040504020204" pitchFamily="49" charset="0"/>
+              </a:rPr>
+              <a:t>LoadBalancer</a:t>
+            </a:r>
+            <a:r>
+              <a:rPr lang="en-US" sz="1100" dirty="0">
+                <a:solidFill>
+                  <a:prstClr val="black"/>
+                </a:solidFill>
+                <a:latin typeface="Lucida Console" panose="020B0609040504020204" pitchFamily="49" charset="0"/>
+              </a:rPr>
+              <a:t>   10.102.149.240   &lt;</a:t>
+            </a:r>
+            <a:r>
+              <a:rPr lang="en-US" sz="1100" dirty="0">
+                <a:solidFill>
+                  <a:prstClr val="black"/>
+                </a:solidFill>
+                <a:highlight>
+                  <a:srgbClr val="FFFF00"/>
+                </a:highlight>
+                <a:latin typeface="Lucida Console" panose="020B0609040504020204" pitchFamily="49" charset="0"/>
+              </a:rPr>
+              <a:t>pending</a:t>
+            </a:r>
+            <a:r>
+              <a:rPr lang="en-US" sz="1100" dirty="0">
+                <a:solidFill>
+                  <a:prstClr val="black"/>
+                </a:solidFill>
+                <a:latin typeface="Lucida Console" panose="020B0609040504020204" pitchFamily="49" charset="0"/>
+              </a:rPr>
+              <a:t>&gt;     80:32550/TCP,443:30890/TCP   77m</a:t>
+            </a:r>
+          </a:p>
+          <a:p>
+            <a:r>
+              <a:rPr lang="en-US" sz="1100" dirty="0" err="1">
+                <a:solidFill>
+                  <a:prstClr val="black"/>
+                </a:solidFill>
+                <a:latin typeface="Lucida Console" panose="020B0609040504020204" pitchFamily="49" charset="0"/>
+              </a:rPr>
+              <a:t>mytestlink-mariadb</a:t>
+            </a:r>
+            <a:r>
+              <a:rPr lang="en-US" sz="1100" dirty="0">
+                <a:solidFill>
+                  <a:prstClr val="black"/>
+                </a:solidFill>
+                <a:latin typeface="Lucida Console" panose="020B0609040504020204" pitchFamily="49" charset="0"/>
+              </a:rPr>
+              <a:t>   </a:t>
+            </a:r>
+            <a:r>
+              <a:rPr lang="en-US" sz="1100" dirty="0" err="1">
+                <a:solidFill>
+                  <a:prstClr val="black"/>
+                </a:solidFill>
+                <a:latin typeface="Lucida Console" panose="020B0609040504020204" pitchFamily="49" charset="0"/>
+              </a:rPr>
+              <a:t>ClusterIP</a:t>
+            </a:r>
+            <a:r>
+              <a:rPr lang="en-US" sz="1100" dirty="0">
+                <a:solidFill>
+                  <a:prstClr val="black"/>
+                </a:solidFill>
+                <a:latin typeface="Lucida Console" panose="020B0609040504020204" pitchFamily="49" charset="0"/>
+              </a:rPr>
+              <a:t>      10.97.127.156    &lt;none&gt;        3306/TCP                     77m</a:t>
+            </a:r>
+          </a:p>
+        </p:txBody>
+      </p:sp>
+      <p:sp>
+        <p:nvSpPr>
+          <p:cNvPr id="9" name="Sprechblase: rechteckig 8">
+            <a:extLst>
+              <a:ext uri="{FF2B5EF4-FFF2-40B4-BE49-F238E27FC236}">
+                <a16:creationId xmlns:a16="http://schemas.microsoft.com/office/drawing/2014/main" id="{42D239CB-54E7-4E73-A9C9-82426C14AC1B}"/>
+              </a:ext>
+            </a:extLst>
+          </p:cNvPr>
+          <p:cNvSpPr/>
+          <p:nvPr/>
+        </p:nvSpPr>
+        <p:spPr>
+          <a:xfrm>
+            <a:off x="-1" y="1979271"/>
+            <a:ext cx="1932973" cy="2759228"/>
+          </a:xfrm>
+          <a:prstGeom prst="wedgeRectCallout">
+            <a:avLst>
+              <a:gd name="adj1" fmla="val 105595"/>
+              <a:gd name="adj2" fmla="val -22481"/>
+            </a:avLst>
+          </a:prstGeom>
+          <a:solidFill>
+            <a:schemeClr val="accent5">
+              <a:alpha val="70000"/>
+            </a:schemeClr>
+          </a:solidFill>
+          <a:ln>
+            <a:noFill/>
+          </a:ln>
+        </p:spPr>
+        <p:style>
+          <a:lnRef idx="0">
+            <a:scrgbClr r="0" g="0" b="0"/>
+          </a:lnRef>
+          <a:fillRef idx="0">
+            <a:scrgbClr r="0" g="0" b="0"/>
+          </a:fillRef>
+          <a:effectRef idx="0">
+            <a:scrgbClr r="0" g="0" b="0"/>
+          </a:effectRef>
+          <a:fontRef idx="minor">
+            <a:schemeClr val="lt1"/>
+          </a:fontRef>
+        </p:style>
+        <p:txBody>
+          <a:bodyPr rtlCol="0" anchor="ctr"/>
+          <a:lstStyle/>
+          <a:p>
+            <a:pPr algn="ctr"/>
+            <a:r>
+              <a:rPr lang="de-DE" sz="1600" dirty="0" err="1"/>
+              <a:t>minikube</a:t>
+            </a:r>
+            <a:r>
+              <a:rPr lang="de-DE" sz="1600" dirty="0"/>
+              <a:t> verhält sich bzgl. Load-</a:t>
+            </a:r>
+            <a:r>
+              <a:rPr lang="de-DE" sz="1600" dirty="0" err="1"/>
+              <a:t>Balancing</a:t>
+            </a:r>
+            <a:r>
+              <a:rPr lang="de-DE" sz="1600" dirty="0"/>
+              <a:t> abweichend zu einer „echten“ k8s-Umgebung.</a:t>
+            </a:r>
+          </a:p>
+          <a:p>
+            <a:pPr algn="ctr"/>
+            <a:r>
+              <a:rPr lang="de-DE" sz="1600" dirty="0"/>
+              <a:t>Die Service URL ist über ein Kommando abfragbar</a:t>
+            </a:r>
+          </a:p>
+        </p:txBody>
+      </p:sp>
+      <p:sp>
+        <p:nvSpPr>
+          <p:cNvPr id="10" name="Textfeld 9">
+            <a:extLst>
+              <a:ext uri="{FF2B5EF4-FFF2-40B4-BE49-F238E27FC236}">
+                <a16:creationId xmlns:a16="http://schemas.microsoft.com/office/drawing/2014/main" id="{2BF8DF30-103C-49AB-8A74-3E6D2BC4385F}"/>
+              </a:ext>
+            </a:extLst>
+          </p:cNvPr>
+          <p:cNvSpPr txBox="1"/>
+          <p:nvPr/>
+        </p:nvSpPr>
+        <p:spPr>
+          <a:xfrm>
+            <a:off x="3098799" y="2258782"/>
+            <a:ext cx="5177099" cy="923330"/>
+          </a:xfrm>
+          <a:prstGeom prst="rect">
+            <a:avLst/>
+          </a:prstGeom>
+        </p:spPr>
+        <p:style>
+          <a:lnRef idx="1">
+            <a:schemeClr val="accent2"/>
+          </a:lnRef>
+          <a:fillRef idx="2">
+            <a:schemeClr val="accent2"/>
+          </a:fillRef>
+          <a:effectRef idx="1">
+            <a:schemeClr val="accent2"/>
+          </a:effectRef>
+          <a:fontRef idx="minor">
+            <a:schemeClr val="dk1"/>
+          </a:fontRef>
+        </p:style>
+        <p:txBody>
+          <a:bodyPr wrap="square">
+            <a:spAutoFit/>
+          </a:bodyPr>
+          <a:lstStyle>
+            <a:defPPr>
+              <a:defRPr lang="de-DE"/>
+            </a:defPPr>
+            <a:lvl1pPr>
+              <a:defRPr>
+                <a:solidFill>
+                  <a:schemeClr val="dk1"/>
+                </a:solidFill>
+                <a:latin typeface="Consolas" panose="020B0609020204030204" pitchFamily="49" charset="0"/>
+              </a:defRPr>
+            </a:lvl1pPr>
+            <a:lvl2pPr>
+              <a:defRPr>
+                <a:solidFill>
+                  <a:schemeClr val="dk1"/>
+                </a:solidFill>
+              </a:defRPr>
+            </a:lvl2pPr>
+            <a:lvl3pPr>
+              <a:defRPr>
+                <a:solidFill>
+                  <a:schemeClr val="dk1"/>
+                </a:solidFill>
+              </a:defRPr>
+            </a:lvl3pPr>
+            <a:lvl4pPr>
+              <a:defRPr>
+                <a:solidFill>
+                  <a:schemeClr val="dk1"/>
+                </a:solidFill>
+              </a:defRPr>
+            </a:lvl4pPr>
+            <a:lvl5pPr>
+              <a:defRPr>
+                <a:solidFill>
+                  <a:schemeClr val="dk1"/>
+                </a:solidFill>
+              </a:defRPr>
+            </a:lvl5pPr>
+            <a:lvl6pPr>
+              <a:defRPr>
+                <a:solidFill>
+                  <a:schemeClr val="dk1"/>
+                </a:solidFill>
+              </a:defRPr>
+            </a:lvl6pPr>
+            <a:lvl7pPr>
+              <a:defRPr>
+                <a:solidFill>
+                  <a:schemeClr val="dk1"/>
+                </a:solidFill>
+              </a:defRPr>
+            </a:lvl7pPr>
+            <a:lvl8pPr>
+              <a:defRPr>
+                <a:solidFill>
+                  <a:schemeClr val="dk1"/>
+                </a:solidFill>
+              </a:defRPr>
+            </a:lvl8pPr>
+            <a:lvl9pPr>
+              <a:defRPr>
+                <a:solidFill>
+                  <a:schemeClr val="dk1"/>
+                </a:solidFill>
+              </a:defRPr>
+            </a:lvl9pPr>
+          </a:lstStyle>
+          <a:p>
+            <a:r>
+              <a:rPr lang="de-DE" dirty="0"/>
+              <a:t>$ </a:t>
+            </a:r>
+            <a:r>
+              <a:rPr lang="de-DE" dirty="0" err="1"/>
+              <a:t>minikube</a:t>
+            </a:r>
+            <a:r>
+              <a:rPr lang="de-DE" dirty="0"/>
+              <a:t> </a:t>
+            </a:r>
+            <a:r>
+              <a:rPr lang="de-DE" dirty="0" err="1"/>
+              <a:t>service</a:t>
+            </a:r>
+            <a:r>
+              <a:rPr lang="de-DE" dirty="0"/>
+              <a:t> --</a:t>
+            </a:r>
+            <a:r>
+              <a:rPr lang="de-DE" dirty="0" err="1"/>
+              <a:t>url</a:t>
+            </a:r>
+            <a:r>
+              <a:rPr lang="de-DE" dirty="0"/>
+              <a:t> </a:t>
+            </a:r>
+            <a:r>
+              <a:rPr lang="de-DE" dirty="0" err="1"/>
+              <a:t>mytestlink</a:t>
+            </a:r>
+            <a:endParaRPr lang="de-DE" dirty="0"/>
+          </a:p>
+          <a:p>
+            <a:r>
+              <a:rPr lang="de-DE" dirty="0"/>
+              <a:t>http://172.18.63.176:32550</a:t>
+            </a:r>
+          </a:p>
+          <a:p>
+            <a:r>
+              <a:rPr lang="de-DE" dirty="0"/>
+              <a:t>http://172.18.63.176:30890</a:t>
+            </a:r>
+          </a:p>
+        </p:txBody>
+      </p:sp>
+    </p:spTree>
+    <p:extLst>
+      <p:ext uri="{BB962C8B-B14F-4D97-AF65-F5344CB8AC3E}">
+        <p14:creationId xmlns:p14="http://schemas.microsoft.com/office/powerpoint/2010/main" val="213752863"/>
+      </p:ext>
+    </p:extLst>
+  </p:cSld>
+  <p:clrMapOvr>
+    <a:masterClrMapping/>
+  </p:clrMapOvr>
+</p:sld>
+</file>
+
+<file path=ppt/slides/slide12.xml><?xml version="1.0" encoding="utf-8"?>
+<p:sld xmlns:a="http://schemas.openxmlformats.org/drawingml/2006/main" xmlns:r="http://schemas.openxmlformats.org/officeDocument/2006/relationships" xmlns:p="http://schemas.openxmlformats.org/presentationml/2006/main">
+  <p:cSld>
+    <p:spTree>
+      <p:nvGrpSpPr>
+        <p:cNvPr id="1" name=""/>
+        <p:cNvGrpSpPr/>
+        <p:nvPr/>
+      </p:nvGrpSpPr>
+      <p:grpSpPr>
+        <a:xfrm>
+          <a:off x="0" y="0"/>
+          <a:ext cx="0" cy="0"/>
+          <a:chOff x="0" y="0"/>
+          <a:chExt cx="0" cy="0"/>
+        </a:xfrm>
+      </p:grpSpPr>
+      <p:sp>
+        <p:nvSpPr>
+          <p:cNvPr id="2" name="Datumsplatzhalter 1">
+            <a:extLst>
+              <a:ext uri="{FF2B5EF4-FFF2-40B4-BE49-F238E27FC236}">
+                <a16:creationId xmlns:a16="http://schemas.microsoft.com/office/drawing/2014/main" id="{E3F37232-AC96-4792-B5C8-521DD3E0377A}"/>
+              </a:ext>
+            </a:extLst>
+          </p:cNvPr>
+          <p:cNvSpPr>
+            <a:spLocks noGrp="1"/>
+          </p:cNvSpPr>
+          <p:nvPr>
+            <p:ph type="dt" sz="half" idx="10"/>
+          </p:nvPr>
+        </p:nvSpPr>
+        <p:spPr/>
+        <p:txBody>
+          <a:bodyPr/>
+          <a:lstStyle/>
+          <a:p>
+            <a:r>
+              <a:rPr lang="de-DE"/>
+              <a:t>© 2020 imbus AG</a:t>
+            </a:r>
+            <a:endParaRPr lang="de-DE" dirty="0"/>
+          </a:p>
+        </p:txBody>
+      </p:sp>
+      <p:sp>
+        <p:nvSpPr>
+          <p:cNvPr id="3" name="Titel 2">
+            <a:extLst>
+              <a:ext uri="{FF2B5EF4-FFF2-40B4-BE49-F238E27FC236}">
+                <a16:creationId xmlns:a16="http://schemas.microsoft.com/office/drawing/2014/main" id="{1A466ED9-73C2-45E7-ABD4-A6EE68866DD7}"/>
+              </a:ext>
+            </a:extLst>
+          </p:cNvPr>
+          <p:cNvSpPr>
+            <a:spLocks noGrp="1"/>
+          </p:cNvSpPr>
+          <p:nvPr>
+            <p:ph type="title"/>
+          </p:nvPr>
+        </p:nvSpPr>
+        <p:spPr/>
+        <p:txBody>
+          <a:bodyPr/>
+          <a:lstStyle/>
+          <a:p>
+            <a:r>
+              <a:rPr lang="de-DE" dirty="0">
+                <a:solidFill>
+                  <a:srgbClr val="3077E2"/>
+                </a:solidFill>
+              </a:rPr>
+              <a:t>Paketmanager Helm - Beispiel</a:t>
+            </a:r>
+          </a:p>
+        </p:txBody>
+      </p:sp>
+      <p:sp>
+        <p:nvSpPr>
+          <p:cNvPr id="6" name="Textfeld 5">
+            <a:extLst>
+              <a:ext uri="{FF2B5EF4-FFF2-40B4-BE49-F238E27FC236}">
+                <a16:creationId xmlns:a16="http://schemas.microsoft.com/office/drawing/2014/main" id="{E44461ED-F928-4D18-A5F5-2E24D57153F2}"/>
+              </a:ext>
+            </a:extLst>
+          </p:cNvPr>
+          <p:cNvSpPr txBox="1"/>
+          <p:nvPr/>
+        </p:nvSpPr>
+        <p:spPr>
+          <a:xfrm>
+            <a:off x="1992048" y="953993"/>
+            <a:ext cx="7012908" cy="1477328"/>
+          </a:xfrm>
+          <a:prstGeom prst="rect">
+            <a:avLst/>
+          </a:prstGeom>
+        </p:spPr>
+        <p:style>
+          <a:lnRef idx="1">
+            <a:schemeClr val="accent2"/>
+          </a:lnRef>
+          <a:fillRef idx="2">
+            <a:schemeClr val="accent2"/>
+          </a:fillRef>
+          <a:effectRef idx="1">
+            <a:schemeClr val="accent2"/>
+          </a:effectRef>
+          <a:fontRef idx="minor">
+            <a:schemeClr val="dk1"/>
+          </a:fontRef>
+        </p:style>
+        <p:txBody>
+          <a:bodyPr wrap="square">
+            <a:spAutoFit/>
+          </a:bodyPr>
+          <a:lstStyle>
+            <a:defPPr>
+              <a:defRPr lang="de-DE"/>
+            </a:defPPr>
+            <a:lvl1pPr>
+              <a:defRPr>
+                <a:solidFill>
+                  <a:schemeClr val="dk1"/>
+                </a:solidFill>
+                <a:latin typeface="Consolas" panose="020B0609020204030204" pitchFamily="49" charset="0"/>
+              </a:defRPr>
+            </a:lvl1pPr>
+            <a:lvl2pPr>
+              <a:defRPr>
+                <a:solidFill>
+                  <a:schemeClr val="dk1"/>
+                </a:solidFill>
+              </a:defRPr>
+            </a:lvl2pPr>
+            <a:lvl3pPr>
+              <a:defRPr>
+                <a:solidFill>
+                  <a:schemeClr val="dk1"/>
+                </a:solidFill>
+              </a:defRPr>
+            </a:lvl3pPr>
+            <a:lvl4pPr>
+              <a:defRPr>
+                <a:solidFill>
+                  <a:schemeClr val="dk1"/>
+                </a:solidFill>
+              </a:defRPr>
+            </a:lvl4pPr>
+            <a:lvl5pPr>
+              <a:defRPr>
+                <a:solidFill>
+                  <a:schemeClr val="dk1"/>
+                </a:solidFill>
+              </a:defRPr>
+            </a:lvl5pPr>
+            <a:lvl6pPr>
+              <a:defRPr>
+                <a:solidFill>
+                  <a:schemeClr val="dk1"/>
+                </a:solidFill>
+              </a:defRPr>
+            </a:lvl6pPr>
+            <a:lvl7pPr>
+              <a:defRPr>
+                <a:solidFill>
+                  <a:schemeClr val="dk1"/>
+                </a:solidFill>
+              </a:defRPr>
+            </a:lvl7pPr>
+            <a:lvl8pPr>
+              <a:defRPr>
+                <a:solidFill>
+                  <a:schemeClr val="dk1"/>
+                </a:solidFill>
+              </a:defRPr>
+            </a:lvl8pPr>
+            <a:lvl9pPr>
+              <a:defRPr>
+                <a:solidFill>
+                  <a:schemeClr val="dk1"/>
+                </a:solidFill>
+              </a:defRPr>
+            </a:lvl9pPr>
+          </a:lstStyle>
+          <a:p>
+            <a:r>
+              <a:rPr lang="en-US" dirty="0"/>
+              <a:t>$ kc get pods</a:t>
+            </a:r>
+          </a:p>
+          <a:p>
+            <a:r>
+              <a:rPr lang="en-US" dirty="0"/>
+              <a:t>NAME                          READY   STATUS </a:t>
+            </a:r>
+          </a:p>
+          <a:p>
+            <a:r>
+              <a:rPr lang="en-US" dirty="0"/>
+              <a:t>mytestlink-66fb5c7864-d26c5   1/1     Running</a:t>
+            </a:r>
+          </a:p>
+          <a:p>
+            <a:r>
+              <a:rPr lang="en-US" dirty="0"/>
+              <a:t>mytestlink-mariadb-0          1/1     Running</a:t>
+            </a:r>
+            <a:endParaRPr lang="de-DE" dirty="0"/>
+          </a:p>
+          <a:p>
+            <a:r>
+              <a:rPr lang="de-DE" dirty="0"/>
+              <a:t>$ </a:t>
+            </a:r>
+            <a:r>
+              <a:rPr lang="de-DE" dirty="0" err="1"/>
+              <a:t>kc</a:t>
+            </a:r>
+            <a:r>
+              <a:rPr lang="de-DE" dirty="0"/>
+              <a:t> </a:t>
+            </a:r>
+            <a:r>
+              <a:rPr lang="de-DE" dirty="0" err="1"/>
+              <a:t>exec</a:t>
+            </a:r>
+            <a:r>
+              <a:rPr lang="de-DE" dirty="0"/>
+              <a:t> -</a:t>
+            </a:r>
+            <a:r>
+              <a:rPr lang="de-DE" dirty="0" err="1"/>
+              <a:t>ti</a:t>
+            </a:r>
+            <a:r>
+              <a:rPr lang="de-DE" dirty="0"/>
+              <a:t> mytestlink-66fb5c7864-d26c5 -- bash</a:t>
+            </a:r>
+          </a:p>
+        </p:txBody>
+      </p:sp>
+      <p:sp>
+        <p:nvSpPr>
+          <p:cNvPr id="9" name="Sprechblase: rechteckig 8">
+            <a:extLst>
+              <a:ext uri="{FF2B5EF4-FFF2-40B4-BE49-F238E27FC236}">
+                <a16:creationId xmlns:a16="http://schemas.microsoft.com/office/drawing/2014/main" id="{42D239CB-54E7-4E73-A9C9-82426C14AC1B}"/>
+              </a:ext>
+            </a:extLst>
+          </p:cNvPr>
+          <p:cNvSpPr/>
+          <p:nvPr/>
+        </p:nvSpPr>
+        <p:spPr>
+          <a:xfrm>
+            <a:off x="-1" y="879676"/>
+            <a:ext cx="1701479" cy="1638910"/>
+          </a:xfrm>
+          <a:prstGeom prst="wedgeRectCallout">
+            <a:avLst>
+              <a:gd name="adj1" fmla="val 67626"/>
+              <a:gd name="adj2" fmla="val -23150"/>
+            </a:avLst>
+          </a:prstGeom>
+          <a:solidFill>
+            <a:schemeClr val="accent5">
+              <a:alpha val="70000"/>
+            </a:schemeClr>
+          </a:solidFill>
+          <a:ln>
+            <a:noFill/>
+          </a:ln>
+        </p:spPr>
+        <p:style>
+          <a:lnRef idx="0">
+            <a:scrgbClr r="0" g="0" b="0"/>
+          </a:lnRef>
+          <a:fillRef idx="0">
+            <a:scrgbClr r="0" g="0" b="0"/>
+          </a:fillRef>
+          <a:effectRef idx="0">
+            <a:scrgbClr r="0" g="0" b="0"/>
+          </a:effectRef>
+          <a:fontRef idx="minor">
+            <a:schemeClr val="lt1"/>
+          </a:fontRef>
+        </p:style>
+        <p:txBody>
+          <a:bodyPr rtlCol="0" anchor="ctr"/>
+          <a:lstStyle/>
+          <a:p>
+            <a:pPr algn="ctr"/>
+            <a:r>
+              <a:rPr lang="de-DE" sz="1600" dirty="0"/>
+              <a:t>Shell in </a:t>
+            </a:r>
+            <a:r>
+              <a:rPr lang="de-DE" sz="1600" dirty="0" err="1"/>
+              <a:t>pod</a:t>
+            </a:r>
+            <a:endParaRPr lang="de-DE" sz="1600" dirty="0"/>
+          </a:p>
+        </p:txBody>
+      </p:sp>
+      <p:sp>
+        <p:nvSpPr>
+          <p:cNvPr id="7" name="Textfeld 6">
+            <a:extLst>
+              <a:ext uri="{FF2B5EF4-FFF2-40B4-BE49-F238E27FC236}">
+                <a16:creationId xmlns:a16="http://schemas.microsoft.com/office/drawing/2014/main" id="{02F96C42-DC24-4B08-9B7F-51310EF499DB}"/>
+              </a:ext>
+            </a:extLst>
+          </p:cNvPr>
+          <p:cNvSpPr txBox="1"/>
+          <p:nvPr/>
+        </p:nvSpPr>
+        <p:spPr>
+          <a:xfrm>
+            <a:off x="1992048" y="2587777"/>
+            <a:ext cx="7012908" cy="2308324"/>
+          </a:xfrm>
+          <a:prstGeom prst="rect">
+            <a:avLst/>
+          </a:prstGeom>
+        </p:spPr>
+        <p:style>
+          <a:lnRef idx="1">
+            <a:schemeClr val="accent2"/>
+          </a:lnRef>
+          <a:fillRef idx="2">
+            <a:schemeClr val="accent2"/>
+          </a:fillRef>
+          <a:effectRef idx="1">
+            <a:schemeClr val="accent2"/>
+          </a:effectRef>
+          <a:fontRef idx="minor">
+            <a:schemeClr val="dk1"/>
+          </a:fontRef>
+        </p:style>
+        <p:txBody>
+          <a:bodyPr wrap="square">
+            <a:spAutoFit/>
+          </a:bodyPr>
+          <a:lstStyle>
+            <a:defPPr>
+              <a:defRPr lang="de-DE"/>
+            </a:defPPr>
+            <a:lvl1pPr>
+              <a:defRPr>
+                <a:solidFill>
+                  <a:schemeClr val="dk1"/>
+                </a:solidFill>
+                <a:latin typeface="Consolas" panose="020B0609020204030204" pitchFamily="49" charset="0"/>
+              </a:defRPr>
+            </a:lvl1pPr>
+            <a:lvl2pPr>
+              <a:defRPr>
+                <a:solidFill>
+                  <a:schemeClr val="dk1"/>
+                </a:solidFill>
+              </a:defRPr>
+            </a:lvl2pPr>
+            <a:lvl3pPr>
+              <a:defRPr>
+                <a:solidFill>
+                  <a:schemeClr val="dk1"/>
+                </a:solidFill>
+              </a:defRPr>
+            </a:lvl3pPr>
+            <a:lvl4pPr>
+              <a:defRPr>
+                <a:solidFill>
+                  <a:schemeClr val="dk1"/>
+                </a:solidFill>
+              </a:defRPr>
+            </a:lvl4pPr>
+            <a:lvl5pPr>
+              <a:defRPr>
+                <a:solidFill>
+                  <a:schemeClr val="dk1"/>
+                </a:solidFill>
+              </a:defRPr>
+            </a:lvl5pPr>
+            <a:lvl6pPr>
+              <a:defRPr>
+                <a:solidFill>
+                  <a:schemeClr val="dk1"/>
+                </a:solidFill>
+              </a:defRPr>
+            </a:lvl6pPr>
+            <a:lvl7pPr>
+              <a:defRPr>
+                <a:solidFill>
+                  <a:schemeClr val="dk1"/>
+                </a:solidFill>
+              </a:defRPr>
+            </a:lvl7pPr>
+            <a:lvl8pPr>
+              <a:defRPr>
+                <a:solidFill>
+                  <a:schemeClr val="dk1"/>
+                </a:solidFill>
+              </a:defRPr>
+            </a:lvl8pPr>
+            <a:lvl9pPr>
+              <a:defRPr>
+                <a:solidFill>
+                  <a:schemeClr val="dk1"/>
+                </a:solidFill>
+              </a:defRPr>
+            </a:lvl9pPr>
+          </a:lstStyle>
+          <a:p>
+            <a:r>
+              <a:rPr lang="de-DE" dirty="0"/>
+              <a:t>$ </a:t>
+            </a:r>
+            <a:r>
+              <a:rPr lang="de-DE" dirty="0" err="1"/>
+              <a:t>env</a:t>
+            </a:r>
+            <a:r>
+              <a:rPr lang="de-DE" dirty="0"/>
+              <a:t> | </a:t>
+            </a:r>
+            <a:r>
+              <a:rPr lang="de-DE" dirty="0" err="1"/>
+              <a:t>grep</a:t>
+            </a:r>
+            <a:r>
+              <a:rPr lang="de-DE" dirty="0"/>
+              <a:t> -i </a:t>
+            </a:r>
+            <a:r>
+              <a:rPr lang="de-DE" dirty="0" err="1"/>
+              <a:t>password</a:t>
+            </a:r>
+            <a:endParaRPr lang="de-DE" dirty="0"/>
+          </a:p>
+          <a:p>
+            <a:r>
+              <a:rPr lang="de-DE" dirty="0"/>
+              <a:t>TESTLINK_DATABASE_PASSWORD=bUesvau6Ws</a:t>
+            </a:r>
+          </a:p>
+          <a:p>
+            <a:r>
+              <a:rPr lang="de-DE" dirty="0"/>
+              <a:t>TESTLINK_PASSWORD=lsiWy6EgEP</a:t>
+            </a:r>
+          </a:p>
+          <a:p>
+            <a:endParaRPr lang="de-DE" dirty="0"/>
+          </a:p>
+          <a:p>
+            <a:r>
+              <a:rPr lang="de-DE" dirty="0"/>
+              <a:t>$ </a:t>
+            </a:r>
+            <a:r>
+              <a:rPr lang="de-DE" dirty="0" err="1"/>
+              <a:t>env</a:t>
+            </a:r>
+            <a:r>
+              <a:rPr lang="de-DE" dirty="0"/>
+              <a:t> | </a:t>
+            </a:r>
+            <a:r>
+              <a:rPr lang="de-DE" dirty="0" err="1"/>
+              <a:t>grep</a:t>
+            </a:r>
+            <a:r>
+              <a:rPr lang="de-DE" dirty="0"/>
+              <a:t> -i </a:t>
+            </a:r>
+            <a:r>
+              <a:rPr lang="de-DE" dirty="0" err="1"/>
+              <a:t>user</a:t>
+            </a:r>
+            <a:endParaRPr lang="de-DE" dirty="0"/>
+          </a:p>
+          <a:p>
+            <a:r>
+              <a:rPr lang="de-DE" dirty="0"/>
+              <a:t>TESTLINK_USERNAME=</a:t>
+            </a:r>
+            <a:r>
+              <a:rPr lang="de-DE" dirty="0" err="1"/>
+              <a:t>user</a:t>
+            </a:r>
+            <a:endParaRPr lang="de-DE" dirty="0"/>
+          </a:p>
+          <a:p>
+            <a:r>
+              <a:rPr lang="de-DE" dirty="0"/>
+              <a:t>TESTLINK_DATABASE_USER=</a:t>
+            </a:r>
+            <a:r>
+              <a:rPr lang="de-DE" dirty="0" err="1"/>
+              <a:t>bn_testlink</a:t>
+            </a:r>
+            <a:endParaRPr lang="de-DE" dirty="0"/>
+          </a:p>
+          <a:p>
+            <a:r>
+              <a:rPr lang="de-DE" dirty="0"/>
+              <a:t>MARIADB_ROOT_USER=root</a:t>
+            </a:r>
+            <a:endParaRPr lang="en-US" dirty="0"/>
+          </a:p>
+        </p:txBody>
+      </p:sp>
+      <p:sp>
+        <p:nvSpPr>
+          <p:cNvPr id="8" name="Sprechblase: rechteckig 7">
+            <a:extLst>
+              <a:ext uri="{FF2B5EF4-FFF2-40B4-BE49-F238E27FC236}">
+                <a16:creationId xmlns:a16="http://schemas.microsoft.com/office/drawing/2014/main" id="{24D291F9-5138-440C-87B1-D394F3794937}"/>
+              </a:ext>
+            </a:extLst>
+          </p:cNvPr>
+          <p:cNvSpPr/>
+          <p:nvPr/>
+        </p:nvSpPr>
+        <p:spPr>
+          <a:xfrm>
+            <a:off x="-2" y="2993262"/>
+            <a:ext cx="1701479" cy="1638910"/>
+          </a:xfrm>
+          <a:prstGeom prst="wedgeRectCallout">
+            <a:avLst>
+              <a:gd name="adj1" fmla="val 67626"/>
+              <a:gd name="adj2" fmla="val -23150"/>
+            </a:avLst>
+          </a:prstGeom>
+          <a:solidFill>
+            <a:schemeClr val="accent5">
+              <a:alpha val="70000"/>
+            </a:schemeClr>
+          </a:solidFill>
+          <a:ln>
+            <a:noFill/>
+          </a:ln>
+        </p:spPr>
+        <p:style>
+          <a:lnRef idx="0">
+            <a:scrgbClr r="0" g="0" b="0"/>
+          </a:lnRef>
+          <a:fillRef idx="0">
+            <a:scrgbClr r="0" g="0" b="0"/>
+          </a:fillRef>
+          <a:effectRef idx="0">
+            <a:scrgbClr r="0" g="0" b="0"/>
+          </a:effectRef>
+          <a:fontRef idx="minor">
+            <a:schemeClr val="lt1"/>
+          </a:fontRef>
+        </p:style>
+        <p:txBody>
+          <a:bodyPr rtlCol="0" anchor="ctr"/>
+          <a:lstStyle/>
+          <a:p>
+            <a:pPr algn="ctr"/>
+            <a:r>
+              <a:rPr lang="de-DE" sz="1600" dirty="0"/>
+              <a:t>Konfigurations-Informationen in Umgebungs-variablen</a:t>
+            </a:r>
+          </a:p>
+        </p:txBody>
+      </p:sp>
+    </p:spTree>
+    <p:extLst>
+      <p:ext uri="{BB962C8B-B14F-4D97-AF65-F5344CB8AC3E}">
+        <p14:creationId xmlns:p14="http://schemas.microsoft.com/office/powerpoint/2010/main" val="682517678"/>
+      </p:ext>
+    </p:extLst>
+  </p:cSld>
+  <p:clrMapOvr>
+    <a:masterClrMapping/>
+  </p:clrMapOvr>
+</p:sld>
+</file>
+
+<file path=ppt/slides/slide13.xml><?xml version="1.0" encoding="utf-8"?>
+<p:sld xmlns:a="http://schemas.openxmlformats.org/drawingml/2006/main" xmlns:r="http://schemas.openxmlformats.org/officeDocument/2006/relationships" xmlns:p="http://schemas.openxmlformats.org/presentationml/2006/main">
+  <p:cSld>
+    <p:spTree>
+      <p:nvGrpSpPr>
+        <p:cNvPr id="1" name=""/>
+        <p:cNvGrpSpPr/>
+        <p:nvPr/>
+      </p:nvGrpSpPr>
+      <p:grpSpPr>
+        <a:xfrm>
+          <a:off x="0" y="0"/>
+          <a:ext cx="0" cy="0"/>
+          <a:chOff x="0" y="0"/>
+          <a:chExt cx="0" cy="0"/>
+        </a:xfrm>
+      </p:grpSpPr>
       <p:pic>
         <p:nvPicPr>
           <p:cNvPr id="8" name="Grafik 7">
@@ -5792,10 +6920,9 @@
           <a:p>
             <a:pPr algn="ctr"/>
             <a:r>
-              <a:rPr lang="de-DE" sz="1600" dirty="0" err="1"/>
+              <a:rPr lang="de-DE" sz="1600" dirty="0"/>
               <a:t>Pods</a:t>
             </a:r>
-            <a:endParaRPr lang="de-DE" sz="1600" dirty="0"/>
           </a:p>
           <a:p>
             <a:pPr algn="ctr"/>
@@ -5819,7 +6946,7 @@
 </p:sld>
 </file>
 
-<file path=ppt/slides/slide12.xml><?xml version="1.0" encoding="utf-8"?>
+<file path=ppt/slides/slide14.xml><?xml version="1.0" encoding="utf-8"?>
 <p:sld xmlns:a="http://schemas.openxmlformats.org/drawingml/2006/main" xmlns:r="http://schemas.openxmlformats.org/officeDocument/2006/relationships" xmlns:p="http://schemas.openxmlformats.org/presentationml/2006/main">
   <p:cSld>
     <p:spTree>
@@ -5969,7 +7096,7 @@
 </p:sld>
 </file>
 
-<file path=ppt/slides/slide13.xml><?xml version="1.0" encoding="utf-8"?>
+<file path=ppt/slides/slide15.xml><?xml version="1.0" encoding="utf-8"?>
 <p:sld xmlns:a="http://schemas.openxmlformats.org/drawingml/2006/main" xmlns:r="http://schemas.openxmlformats.org/officeDocument/2006/relationships" xmlns:p="http://schemas.openxmlformats.org/presentationml/2006/main">
   <p:cSld>
     <p:spTree>
@@ -6103,7 +7230,7 @@
 </p:sld>
 </file>
 
-<file path=ppt/slides/slide14.xml><?xml version="1.0" encoding="utf-8"?>
+<file path=ppt/slides/slide16.xml><?xml version="1.0" encoding="utf-8"?>
 <p:sld xmlns:a="http://schemas.openxmlformats.org/drawingml/2006/main" xmlns:r="http://schemas.openxmlformats.org/officeDocument/2006/relationships" xmlns:p="http://schemas.openxmlformats.org/presentationml/2006/main">
   <p:cSld>
     <p:spTree>
@@ -6218,7 +7345,28 @@
                 <a:latin typeface="Calibri" panose="020F0502020204030204" pitchFamily="34" charset="0"/>
                 <a:ea typeface="Calibri" panose="020F0502020204030204" pitchFamily="34" charset="0"/>
               </a:rPr>
-              <a:t>Es gibt unterschiedliche Modelle (*).</a:t>
+              <a:t>Es gibt unterschiedliche </a:t>
+            </a:r>
+            <a:r>
+              <a:rPr lang="de-DE" sz="1800" b="1" dirty="0">
+                <a:solidFill>
+                  <a:schemeClr val="accent1">
+                    <a:lumMod val="75000"/>
+                  </a:schemeClr>
+                </a:solidFill>
+                <a:effectLst/>
+                <a:latin typeface="Calibri" panose="020F0502020204030204" pitchFamily="34" charset="0"/>
+                <a:ea typeface="Calibri" panose="020F0502020204030204" pitchFamily="34" charset="0"/>
+              </a:rPr>
+              <a:t>Modelle</a:t>
+            </a:r>
+            <a:r>
+              <a:rPr lang="de-DE" sz="1800" dirty="0">
+                <a:effectLst/>
+                <a:latin typeface="Calibri" panose="020F0502020204030204" pitchFamily="34" charset="0"/>
+                <a:ea typeface="Calibri" panose="020F0502020204030204" pitchFamily="34" charset="0"/>
+              </a:rPr>
+              <a:t> (*).</a:t>
             </a:r>
           </a:p>
           <a:p>
@@ -6251,7 +7399,45 @@
                 <a:latin typeface="Calibri" panose="020F0502020204030204" pitchFamily="34" charset="0"/>
                 <a:ea typeface="Calibri" panose="020F0502020204030204" pitchFamily="34" charset="0"/>
               </a:rPr>
-              <a:t>-Knoten erforderlichen Ressourcen plus einen Preis für die Kubernetes Funktionalität:</a:t>
+              <a:t>-Knoten erforderlichen </a:t>
+            </a:r>
+            <a:r>
+              <a:rPr lang="de-DE" b="1" dirty="0">
+                <a:solidFill>
+                  <a:schemeClr val="accent1">
+                    <a:lumMod val="75000"/>
+                  </a:schemeClr>
+                </a:solidFill>
+                <a:latin typeface="Calibri" panose="020F0502020204030204" pitchFamily="34" charset="0"/>
+              </a:rPr>
+              <a:t>Ressourcen</a:t>
+            </a:r>
+            <a:r>
+              <a:rPr lang="de-DE" sz="1800" dirty="0">
+                <a:effectLst/>
+                <a:latin typeface="Calibri" panose="020F0502020204030204" pitchFamily="34" charset="0"/>
+                <a:ea typeface="Calibri" panose="020F0502020204030204" pitchFamily="34" charset="0"/>
+              </a:rPr>
+              <a:t> plus einen Preis für die </a:t>
+            </a:r>
+            <a:r>
+              <a:rPr lang="de-DE" b="1" dirty="0">
+                <a:solidFill>
+                  <a:schemeClr val="accent1">
+                    <a:lumMod val="75000"/>
+                  </a:schemeClr>
+                </a:solidFill>
+                <a:latin typeface="Calibri" panose="020F0502020204030204" pitchFamily="34" charset="0"/>
+              </a:rPr>
+              <a:t>Kubernetes</a:t>
+            </a:r>
+            <a:r>
+              <a:rPr lang="de-DE" sz="1800" dirty="0">
+                <a:effectLst/>
+                <a:latin typeface="Calibri" panose="020F0502020204030204" pitchFamily="34" charset="0"/>
+                <a:ea typeface="Calibri" panose="020F0502020204030204" pitchFamily="34" charset="0"/>
+              </a:rPr>
+              <a:t> Funktionalität:</a:t>
             </a:r>
           </a:p>
           <a:p>
@@ -6372,7 +7558,7 @@
 </p:sld>
 </file>
 
-<file path=ppt/slides/slide15.xml><?xml version="1.0" encoding="utf-8"?>
+<file path=ppt/slides/slide17.xml><?xml version="1.0" encoding="utf-8"?>
 <p:sld xmlns:a="http://schemas.openxmlformats.org/drawingml/2006/main" xmlns:r="http://schemas.openxmlformats.org/officeDocument/2006/relationships" xmlns:p="http://schemas.openxmlformats.org/presentationml/2006/main">
   <p:cSld>
     <p:spTree>
@@ -6573,7 +7759,7 @@
 </p:sld>
 </file>
 
-<file path=ppt/slides/slide16.xml><?xml version="1.0" encoding="utf-8"?>
+<file path=ppt/slides/slide18.xml><?xml version="1.0" encoding="utf-8"?>
 <p:sld xmlns:a="http://schemas.openxmlformats.org/drawingml/2006/main" xmlns:r="http://schemas.openxmlformats.org/officeDocument/2006/relationships" xmlns:p="http://schemas.openxmlformats.org/presentationml/2006/main">
   <p:cSld>
     <p:spTree>
@@ -7030,7 +8216,21 @@
           <a:p>
             <a:r>
               <a:rPr lang="de-DE" sz="1400" dirty="0"/>
-              <a:t>  Die K8s Source ist frei auf </a:t>
+              <a:t>  Die K8s </a:t>
+            </a:r>
+            <a:r>
+              <a:rPr lang="de-DE" sz="1400" b="1" dirty="0">
+                <a:solidFill>
+                  <a:schemeClr val="accent1">
+                    <a:lumMod val="75000"/>
+                  </a:schemeClr>
+                </a:solidFill>
+              </a:rPr>
+              <a:t>Source ist frei </a:t>
+            </a:r>
+            <a:r>
+              <a:rPr lang="de-DE" sz="1400" dirty="0"/>
+              <a:t>auf </a:t>
             </a:r>
             <a:r>
               <a:rPr lang="de-DE" sz="1400" dirty="0" err="1"/>
@@ -7038,15 +8238,7 @@
             </a:r>
             <a:r>
               <a:rPr lang="de-DE" sz="1400" dirty="0"/>
-              <a:t> verfügbar und wird von der Cloud Native Computing </a:t>
-            </a:r>
-            <a:r>
-              <a:rPr lang="de-DE" sz="1400" dirty="0" err="1"/>
-              <a:t>Foundation</a:t>
-            </a:r>
-            <a:r>
-              <a:rPr lang="de-DE" sz="1400" dirty="0"/>
-              <a:t> weiterentwickelt.</a:t>
+              <a:t> verfügbar und wird von der Cloud Native Computing Foundation weiterentwickelt.</a:t>
             </a:r>
           </a:p>
           <a:p>
@@ -7077,7 +8269,21 @@
             </a:r>
             <a:r>
               <a:rPr lang="de-DE" sz="1400" dirty="0"/>
-              <a:t>: Wachstum von 89% in 2019 auf 131 Firmen (</a:t>
+              <a:t>: </a:t>
+            </a:r>
+            <a:r>
+              <a:rPr lang="de-DE" sz="1400" b="1" dirty="0">
+                <a:solidFill>
+                  <a:schemeClr val="accent1">
+                    <a:lumMod val="75000"/>
+                  </a:schemeClr>
+                </a:solidFill>
+              </a:rPr>
+              <a:t>Wachstum</a:t>
+            </a:r>
+            <a:r>
+              <a:rPr lang="de-DE" sz="1400" dirty="0"/>
+              <a:t> von 89% in 2019 auf 131 Firmen (</a:t>
             </a:r>
             <a:r>
               <a:rPr lang="de-DE" sz="1400" dirty="0" err="1"/>
@@ -7094,19 +8300,25 @@
               <a:t> * Entwicklung: Die </a:t>
             </a:r>
             <a:r>
+              <a:rPr lang="de-DE" sz="1400" b="1" dirty="0" err="1">
+                <a:solidFill>
+                  <a:schemeClr val="accent1">
+                    <a:lumMod val="75000"/>
+                  </a:schemeClr>
+                </a:solidFill>
+              </a:rPr>
+              <a:t>KubeCon</a:t>
+            </a:r>
+            <a:r>
+              <a:rPr lang="de-DE" sz="1400" dirty="0"/>
+              <a:t> 2019 war die weltweit größte Open Source- Entwicklerkonferenz im Jahr 2019. Die Veranstaltung zog 12.000 Teilnehmer an, eine Steigerung von 2000% gegenüber der ersten </a:t>
+            </a:r>
+            <a:r>
               <a:rPr lang="de-DE" sz="1400" dirty="0" err="1"/>
               <a:t>KubeCon</a:t>
             </a:r>
             <a:r>
               <a:rPr lang="de-DE" sz="1400" dirty="0"/>
-              <a:t> 2019 war die weltweit größte Open Source-Entwicklerkonferenz im Jahr 2019. Die Veranstaltung zog 12.000 Teilnehmer an, eine Steigerung von 2000% gegenüber der ersten </a:t>
-            </a:r>
-            <a:r>
-              <a:rPr lang="de-DE" sz="1400" dirty="0" err="1"/>
-              <a:t>KubeCon</a:t>
-            </a:r>
-            <a:r>
-              <a:rPr lang="de-DE" sz="1400" dirty="0"/>
               <a:t>-Veranstaltung im Jahr 2015.</a:t>
             </a:r>
           </a:p>
@@ -7126,7 +8338,35 @@
           <a:p>
             <a:r>
               <a:rPr lang="de-DE" sz="1400" dirty="0"/>
-              <a:t> * HELM: Package Manager- </a:t>
+              <a:t> * HELM: </a:t>
+            </a:r>
+            <a:r>
+              <a:rPr lang="de-DE" sz="1400" b="1" dirty="0">
+                <a:solidFill>
+                  <a:schemeClr val="accent1">
+                    <a:lumMod val="75000"/>
+                  </a:schemeClr>
+                </a:solidFill>
+              </a:rPr>
+              <a:t>Package</a:t>
+            </a:r>
+            <a:r>
+              <a:rPr lang="de-DE" sz="1400" dirty="0"/>
+              <a:t> </a:t>
+            </a:r>
+            <a:r>
+              <a:rPr lang="de-DE" sz="1400" b="1" dirty="0">
+                <a:solidFill>
+                  <a:schemeClr val="accent1">
+                    <a:lumMod val="75000"/>
+                  </a:schemeClr>
+                </a:solidFill>
+              </a:rPr>
+              <a:t>Manager-</a:t>
+            </a:r>
+            <a:r>
+              <a:rPr lang="de-DE" sz="1400" dirty="0"/>
+              <a:t> </a:t>
             </a:r>
             <a:r>
               <a:rPr lang="de-DE" sz="1400" dirty="0" err="1"/>
@@ -7519,10 +8759,9 @@
           <a:p>
             <a:pPr algn="ctr"/>
             <a:r>
-              <a:rPr lang="de-DE" sz="1400" dirty="0" err="1"/>
+              <a:rPr lang="de-DE" sz="1400" dirty="0"/>
               <a:t>Pods</a:t>
             </a:r>
-            <a:endParaRPr lang="de-DE" sz="1400" dirty="0"/>
           </a:p>
         </p:txBody>
       </p:sp>
@@ -7751,23 +8990,7 @@
             </a:r>
             <a:r>
               <a:rPr lang="de-DE" sz="1600" dirty="0"/>
-              <a:t> - Ein </a:t>
-            </a:r>
-            <a:r>
-              <a:rPr lang="de-DE" sz="1600" dirty="0" err="1"/>
-              <a:t>Kubernetes</a:t>
-            </a:r>
-            <a:r>
-              <a:rPr lang="de-DE" sz="1600" dirty="0"/>
-              <a:t>-Service besteht aus einer Reihe von </a:t>
-            </a:r>
-            <a:r>
-              <a:rPr lang="de-DE" sz="1600" dirty="0" err="1"/>
-              <a:t>Pods</a:t>
-            </a:r>
-            <a:r>
-              <a:rPr lang="de-DE" sz="1600" dirty="0"/>
-              <a:t>, die zusammenarbeiten, z. B. als eine Ebene einer multi-tier Anwendung. </a:t>
+              <a:t> - Ein Kubernetes-Service besteht aus einer Reihe von Pods, die zusammenarbeiten, z. B. als eine Ebene einer multi-tier Anwendung. </a:t>
             </a:r>
           </a:p>
           <a:p>
@@ -7780,15 +9003,7 @@
             </a:r>
             <a:r>
               <a:rPr lang="de-DE" sz="1600" dirty="0"/>
-              <a:t> - ist ein übergeordnetes Objekt, das das Lebenszyklusmanagement replizierter </a:t>
-            </a:r>
-            <a:r>
-              <a:rPr lang="de-DE" sz="1600" dirty="0" err="1"/>
-              <a:t>Pods</a:t>
-            </a:r>
-            <a:r>
-              <a:rPr lang="de-DE" sz="1600" dirty="0"/>
-              <a:t> vereinfacht. </a:t>
+              <a:t> - ist ein übergeordnetes Objekt, das das Lebenszyklusmanagement replizierter Pods vereinfacht. </a:t>
             </a:r>
           </a:p>
           <a:p>
@@ -7823,7 +9038,7 @@
           </a:p>
           <a:p>
             <a:r>
-              <a:rPr lang="de-DE" sz="1600" b="1" dirty="0" err="1"/>
+              <a:rPr lang="de-DE" sz="1600" b="1" dirty="0"/>
               <a:t>Pods</a:t>
             </a:r>
             <a:r>
@@ -8118,10 +9333,9 @@
           <a:p>
             <a:pPr algn="ctr"/>
             <a:r>
-              <a:rPr lang="de-DE" sz="1400" dirty="0" err="1"/>
+              <a:rPr lang="de-DE" sz="1400" dirty="0"/>
               <a:t>Pods</a:t>
             </a:r>
-            <a:endParaRPr lang="de-DE" sz="1400" dirty="0"/>
           </a:p>
         </p:txBody>
       </p:sp>
@@ -9109,21 +10323,8 @@
                   <a:srgbClr val="3077E2"/>
                 </a:solidFill>
               </a:rPr>
-              <a:t>Command Line Interface: </a:t>
-            </a:r>
-            <a:r>
-              <a:rPr lang="de-DE" dirty="0" err="1">
-                <a:solidFill>
-                  <a:srgbClr val="3077E2"/>
-                </a:solidFill>
-              </a:rPr>
-              <a:t>kubectl</a:t>
-            </a:r>
-            <a:endParaRPr lang="de-DE" dirty="0">
-              <a:solidFill>
-                <a:srgbClr val="3077E2"/>
-              </a:solidFill>
-            </a:endParaRPr>
+              <a:t>Command Line Interface: kubectl</a:t>
+            </a:r>
           </a:p>
         </p:txBody>
       </p:sp>
@@ -9209,30 +10410,17 @@
           <a:p>
             <a:r>
               <a:rPr lang="de-DE" sz="1600" dirty="0"/>
-              <a:t>Typische </a:t>
-            </a:r>
-            <a:r>
-              <a:rPr lang="de-DE" sz="1600" dirty="0" err="1"/>
-              <a:t>kubectl</a:t>
-            </a:r>
+              <a:t>Typische kubectl Interaktionen:</a:t>
+            </a:r>
+          </a:p>
+          <a:p>
+            <a:endParaRPr lang="de-DE" sz="1600" dirty="0"/>
+          </a:p>
+          <a:p>
             <a:r>
               <a:rPr lang="de-DE" sz="1600" dirty="0"/>
-              <a:t> Interaktionen:</a:t>
-            </a:r>
-          </a:p>
-          <a:p>
-            <a:endParaRPr lang="de-DE" sz="1600" dirty="0"/>
-          </a:p>
-          <a:p>
-            <a:r>
-              <a:rPr lang="de-DE" sz="1600" dirty="0"/>
-              <a:t>Anzeigen von Services, </a:t>
-            </a:r>
-            <a:r>
-              <a:rPr lang="de-DE" sz="1600" dirty="0" err="1"/>
-              <a:t>Deployments</a:t>
-            </a:r>
-            <a:endParaRPr lang="de-DE" sz="1600" dirty="0"/>
+              <a:t>Anzeigen von Services, Deployments</a:t>
+            </a:r>
           </a:p>
           <a:p>
             <a:r>
@@ -9347,7 +10535,7 @@
               <a:t>Command Line Interface: </a:t>
             </a:r>
             <a:r>
-              <a:rPr lang="de-DE" dirty="0" err="1">
+              <a:rPr lang="de-DE" dirty="0">
                 <a:solidFill>
                   <a:srgbClr val="3077E2"/>
                 </a:solidFill>
@@ -9383,7 +10571,7 @@
         </p:nvSpPr>
         <p:spPr>
           <a:xfrm>
-            <a:off x="2216727" y="1440056"/>
+            <a:off x="2502477" y="1292286"/>
             <a:ext cx="6504709" cy="1477328"/>
           </a:xfrm>
           <a:prstGeom prst="rect">
@@ -9566,8 +10754,8 @@
           </a:xfrm>
           <a:prstGeom prst="wedgeRectCallout">
             <a:avLst>
-              <a:gd name="adj1" fmla="val 100031"/>
-              <a:gd name="adj2" fmla="val 4496"/>
+              <a:gd name="adj1" fmla="val 70411"/>
+              <a:gd name="adj2" fmla="val -21571"/>
             </a:avLst>
           </a:prstGeom>
           <a:solidFill>
@@ -9600,15 +10788,7 @@
             <a:pPr algn="ctr"/>
             <a:r>
               <a:rPr lang="de-DE" sz="1600" dirty="0"/>
-              <a:t>Das CLI hat sehr viele </a:t>
-            </a:r>
-            <a:r>
-              <a:rPr lang="de-DE" sz="1600" dirty="0" err="1"/>
-              <a:t>Kommands</a:t>
-            </a:r>
-            <a:r>
-              <a:rPr lang="de-DE" sz="1600" dirty="0"/>
-              <a:t>, Subkommandos und Parameter.</a:t>
+              <a:t>Das CLI hat sehr viele Kommandos, Subkommandos und Parameter.</a:t>
             </a:r>
           </a:p>
           <a:p>
@@ -9621,12 +10801,8 @@
           <a:p>
             <a:pPr algn="ctr"/>
             <a:r>
-              <a:rPr lang="de-DE" sz="1600" dirty="0" err="1"/>
-              <a:t>Autoverfollständigung</a:t>
-            </a:r>
-            <a:r>
               <a:rPr lang="de-DE" sz="1600" dirty="0"/>
-              <a:t> mit bash durch Kommando </a:t>
+              <a:t>Autovervollständigung mit bash durch Kommando </a:t>
             </a:r>
             <a:r>
               <a:rPr lang="de-DE" sz="1600" dirty="0" err="1"/>
@@ -9728,7 +10904,7 @@
               <a:t>Command Line Interface: </a:t>
             </a:r>
             <a:r>
-              <a:rPr lang="de-DE" dirty="0" err="1">
+              <a:rPr lang="de-DE" dirty="0">
                 <a:solidFill>
                   <a:srgbClr val="3077E2"/>
                 </a:solidFill>
@@ -9988,22 +11164,13 @@
           </a:p>
           <a:p>
             <a:r>
-              <a:rPr lang="de-DE" altLang="de-DE" sz="1400" dirty="0" err="1">
+              <a:rPr lang="de-DE" altLang="de-DE" sz="1400" dirty="0">
                 <a:solidFill>
                   <a:srgbClr val="222222"/>
                 </a:solidFill>
                 <a:latin typeface="Consolas" panose="020B0609020204030204" pitchFamily="49" charset="0"/>
               </a:rPr>
-              <a:t>kubectl</a:t>
-            </a:r>
-            <a:r>
-              <a:rPr lang="de-DE" altLang="de-DE" sz="1400" dirty="0">
-                <a:solidFill>
-                  <a:srgbClr val="222222"/>
-                </a:solidFill>
-                <a:latin typeface="Consolas" panose="020B0609020204030204" pitchFamily="49" charset="0"/>
-              </a:rPr>
-              <a:t> </a:t>
+              <a:t>kubectl </a:t>
             </a:r>
             <a:r>
               <a:rPr lang="de-DE" altLang="de-DE" sz="1400" dirty="0" err="1">
@@ -10226,22 +11393,13 @@
           </a:p>
           <a:p>
             <a:r>
-              <a:rPr lang="de-DE" altLang="de-DE" sz="1600" dirty="0" err="1">
+              <a:rPr lang="de-DE" altLang="de-DE" sz="1600" dirty="0">
                 <a:solidFill>
                   <a:srgbClr val="222222"/>
                 </a:solidFill>
                 <a:latin typeface="SFMono-Regular"/>
               </a:rPr>
-              <a:t>kubectl</a:t>
-            </a:r>
-            <a:r>
-              <a:rPr lang="de-DE" altLang="de-DE" sz="1600" dirty="0">
-                <a:solidFill>
-                  <a:srgbClr val="222222"/>
-                </a:solidFill>
-                <a:latin typeface="SFMono-Regular"/>
-              </a:rPr>
-              <a:t> </a:t>
+              <a:t>kubectl </a:t>
             </a:r>
             <a:r>
               <a:rPr lang="de-DE" altLang="de-DE" sz="1600" dirty="0" err="1">
@@ -10297,22 +11455,13 @@
           </a:p>
           <a:p>
             <a:r>
-              <a:rPr lang="de-DE" altLang="de-DE" sz="1600" dirty="0" err="1">
+              <a:rPr lang="de-DE" altLang="de-DE" sz="1600" dirty="0">
                 <a:solidFill>
                   <a:srgbClr val="222222"/>
                 </a:solidFill>
                 <a:latin typeface="SFMono-Regular"/>
               </a:rPr>
-              <a:t>kubectl</a:t>
-            </a:r>
-            <a:r>
-              <a:rPr lang="de-DE" altLang="de-DE" sz="1600" dirty="0">
-                <a:solidFill>
-                  <a:srgbClr val="222222"/>
-                </a:solidFill>
-                <a:latin typeface="SFMono-Regular"/>
-              </a:rPr>
-              <a:t> </a:t>
+              <a:t>kubectl </a:t>
             </a:r>
             <a:r>
               <a:rPr lang="de-DE" altLang="de-DE" sz="1600" dirty="0" err="1">
@@ -10975,16 +12124,10 @@
           </a:p>
           <a:p>
             <a:r>
-              <a:rPr lang="de-DE" sz="1600" dirty="0" err="1">
-                <a:latin typeface="Consolas" panose="020B0609020204030204" pitchFamily="49" charset="0"/>
-              </a:rPr>
-              <a:t>kubectl</a:t>
-            </a:r>
-            <a:r>
               <a:rPr lang="de-DE" sz="1600" dirty="0">
                 <a:latin typeface="Consolas" panose="020B0609020204030204" pitchFamily="49" charset="0"/>
               </a:rPr>
-              <a:t> </a:t>
+              <a:t>kubectl </a:t>
             </a:r>
             <a:r>
               <a:rPr lang="de-DE" sz="1600" dirty="0" err="1">
